--- a/Smartlearning.dk/IT-sikkerhed - webinar 1.pptx
+++ b/Smartlearning.dk/IT-sikkerhed - webinar 1.pptx
@@ -6,7 +6,7 @@
     <p:sldMasterId id="2147483707" r:id="rId2"/>
   </p:sldMasterIdLst>
   <p:notesMasterIdLst>
-    <p:notesMasterId r:id="rId20"/>
+    <p:notesMasterId r:id="rId21"/>
   </p:notesMasterIdLst>
   <p:sldIdLst>
     <p:sldId id="261" r:id="rId3"/>
@@ -17,15 +17,16 @@
     <p:sldId id="273" r:id="rId8"/>
     <p:sldId id="270" r:id="rId9"/>
     <p:sldId id="271" r:id="rId10"/>
-    <p:sldId id="272" r:id="rId11"/>
-    <p:sldId id="263" r:id="rId12"/>
-    <p:sldId id="267" r:id="rId13"/>
-    <p:sldId id="275" r:id="rId14"/>
-    <p:sldId id="268" r:id="rId15"/>
-    <p:sldId id="276" r:id="rId16"/>
-    <p:sldId id="277" r:id="rId17"/>
-    <p:sldId id="278" r:id="rId18"/>
-    <p:sldId id="279" r:id="rId19"/>
+    <p:sldId id="280" r:id="rId11"/>
+    <p:sldId id="272" r:id="rId12"/>
+    <p:sldId id="263" r:id="rId13"/>
+    <p:sldId id="267" r:id="rId14"/>
+    <p:sldId id="275" r:id="rId15"/>
+    <p:sldId id="268" r:id="rId16"/>
+    <p:sldId id="276" r:id="rId17"/>
+    <p:sldId id="277" r:id="rId18"/>
+    <p:sldId id="278" r:id="rId19"/>
+    <p:sldId id="279" r:id="rId20"/>
   </p:sldIdLst>
   <p:sldSz cx="9144000" cy="6858000" type="screen4x3"/>
   <p:notesSz cx="6858000" cy="9144000"/>
@@ -240,7 +241,7 @@
             <a:fld id="{B36E17A6-19E7-431B-B84F-272700CAEAB7}" type="datetimeFigureOut">
               <a:rPr lang="da-DK" smtClean="0"/>
               <a:pPr/>
-              <a:t>06-11-2016</a:t>
+              <a:t>08-11-2016</a:t>
             </a:fld>
             <a:endParaRPr lang="da-DK"/>
           </a:p>
@@ -928,7 +929,7 @@
             <a:fld id="{5D716877-B449-4BC1-B13E-D244F5AFBD0E}" type="slidenum">
               <a:rPr lang="da-DK" smtClean="0"/>
               <a:pPr/>
-              <a:t>10</a:t>
+              <a:t>11</a:t>
             </a:fld>
             <a:endParaRPr lang="da-DK"/>
           </a:p>
@@ -988,13 +989,186 @@
           <a:p>
             <a:r>
               <a:rPr lang="da-DK" dirty="0"/>
-              <a:t>Security</a:t>
+              <a:t>Spørg om</a:t>
             </a:r>
             <a:r>
               <a:rPr lang="da-DK" baseline="0" dirty="0"/>
-              <a:t> her er lidt misvisende, da det mere minder om en slags adgangskontrol og om at sikre at folk indefra ikke lækker data. </a:t>
+              <a:t> input</a:t>
             </a:r>
             <a:endParaRPr lang="da-DK" dirty="0"/>
+          </a:p>
+        </p:txBody>
+      </p:sp>
+      <p:sp>
+        <p:nvSpPr>
+          <p:cNvPr id="4" name="Pladsholder til slidenummer 3"/>
+          <p:cNvSpPr>
+            <a:spLocks noGrp="1"/>
+          </p:cNvSpPr>
+          <p:nvPr>
+            <p:ph type="sldNum" sz="quarter" idx="10"/>
+          </p:nvPr>
+        </p:nvSpPr>
+        <p:spPr/>
+        <p:txBody>
+          <a:bodyPr/>
+          <a:lstStyle/>
+          <a:p>
+            <a:fld id="{5D716877-B449-4BC1-B13E-D244F5AFBD0E}" type="slidenum">
+              <a:rPr lang="da-DK" smtClean="0"/>
+              <a:pPr/>
+              <a:t>13</a:t>
+            </a:fld>
+            <a:endParaRPr lang="da-DK"/>
+          </a:p>
+        </p:txBody>
+      </p:sp>
+    </p:spTree>
+    <p:extLst>
+      <p:ext uri="{BB962C8B-B14F-4D97-AF65-F5344CB8AC3E}">
+        <p14:creationId xmlns:p14="http://schemas.microsoft.com/office/powerpoint/2010/main" val="2231272595"/>
+      </p:ext>
+    </p:extLst>
+  </p:cSld>
+  <p:clrMapOvr>
+    <a:masterClrMapping/>
+  </p:clrMapOvr>
+</p:notes>
+</file>
+
+<file path=ppt/notesSlides/notesSlide7.xml><?xml version="1.0" encoding="utf-8"?>
+<p:notes xmlns:a="http://schemas.openxmlformats.org/drawingml/2006/main" xmlns:r="http://schemas.openxmlformats.org/officeDocument/2006/relationships" xmlns:p="http://schemas.openxmlformats.org/presentationml/2006/main">
+  <p:cSld>
+    <p:spTree>
+      <p:nvGrpSpPr>
+        <p:cNvPr id="1" name=""/>
+        <p:cNvGrpSpPr/>
+        <p:nvPr/>
+      </p:nvGrpSpPr>
+      <p:grpSpPr>
+        <a:xfrm>
+          <a:off x="0" y="0"/>
+          <a:ext cx="0" cy="0"/>
+          <a:chOff x="0" y="0"/>
+          <a:chExt cx="0" cy="0"/>
+        </a:xfrm>
+      </p:grpSpPr>
+      <p:sp>
+        <p:nvSpPr>
+          <p:cNvPr id="2" name="Pladsholder til slidebillede 1"/>
+          <p:cNvSpPr>
+            <a:spLocks noGrp="1" noRot="1" noChangeAspect="1"/>
+          </p:cNvSpPr>
+          <p:nvPr>
+            <p:ph type="sldImg"/>
+          </p:nvPr>
+        </p:nvSpPr>
+        <p:spPr/>
+      </p:sp>
+      <p:sp>
+        <p:nvSpPr>
+          <p:cNvPr id="3" name="Pladsholder til noter 2"/>
+          <p:cNvSpPr>
+            <a:spLocks noGrp="1"/>
+          </p:cNvSpPr>
+          <p:nvPr>
+            <p:ph type="body" idx="1"/>
+          </p:nvPr>
+        </p:nvSpPr>
+        <p:spPr/>
+        <p:txBody>
+          <a:bodyPr/>
+          <a:lstStyle/>
+          <a:p>
+            <a:endParaRPr lang="da-DK" dirty="0"/>
+          </a:p>
+        </p:txBody>
+      </p:sp>
+      <p:sp>
+        <p:nvSpPr>
+          <p:cNvPr id="4" name="Pladsholder til slidenummer 3"/>
+          <p:cNvSpPr>
+            <a:spLocks noGrp="1"/>
+          </p:cNvSpPr>
+          <p:nvPr>
+            <p:ph type="sldNum" sz="quarter" idx="10"/>
+          </p:nvPr>
+        </p:nvSpPr>
+        <p:spPr/>
+        <p:txBody>
+          <a:bodyPr/>
+          <a:lstStyle/>
+          <a:p>
+            <a:fld id="{5D716877-B449-4BC1-B13E-D244F5AFBD0E}" type="slidenum">
+              <a:rPr lang="da-DK" smtClean="0"/>
+              <a:pPr/>
+              <a:t>14</a:t>
+            </a:fld>
+            <a:endParaRPr lang="da-DK"/>
+          </a:p>
+        </p:txBody>
+      </p:sp>
+    </p:spTree>
+    <p:extLst>
+      <p:ext uri="{BB962C8B-B14F-4D97-AF65-F5344CB8AC3E}">
+        <p14:creationId xmlns:p14="http://schemas.microsoft.com/office/powerpoint/2010/main" val="241121383"/>
+      </p:ext>
+    </p:extLst>
+  </p:cSld>
+  <p:clrMapOvr>
+    <a:masterClrMapping/>
+  </p:clrMapOvr>
+</p:notes>
+</file>
+
+<file path=ppt/notesSlides/notesSlide8.xml><?xml version="1.0" encoding="utf-8"?>
+<p:notes xmlns:a="http://schemas.openxmlformats.org/drawingml/2006/main" xmlns:r="http://schemas.openxmlformats.org/officeDocument/2006/relationships" xmlns:p="http://schemas.openxmlformats.org/presentationml/2006/main">
+  <p:cSld>
+    <p:spTree>
+      <p:nvGrpSpPr>
+        <p:cNvPr id="1" name=""/>
+        <p:cNvGrpSpPr/>
+        <p:nvPr/>
+      </p:nvGrpSpPr>
+      <p:grpSpPr>
+        <a:xfrm>
+          <a:off x="0" y="0"/>
+          <a:ext cx="0" cy="0"/>
+          <a:chOff x="0" y="0"/>
+          <a:chExt cx="0" cy="0"/>
+        </a:xfrm>
+      </p:grpSpPr>
+      <p:sp>
+        <p:nvSpPr>
+          <p:cNvPr id="2" name="Pladsholder til slidebillede 1"/>
+          <p:cNvSpPr>
+            <a:spLocks noGrp="1" noRot="1" noChangeAspect="1"/>
+          </p:cNvSpPr>
+          <p:nvPr>
+            <p:ph type="sldImg"/>
+          </p:nvPr>
+        </p:nvSpPr>
+        <p:spPr/>
+      </p:sp>
+      <p:sp>
+        <p:nvSpPr>
+          <p:cNvPr id="3" name="Pladsholder til noter 2"/>
+          <p:cNvSpPr>
+            <a:spLocks noGrp="1"/>
+          </p:cNvSpPr>
+          <p:nvPr>
+            <p:ph type="body" idx="1"/>
+          </p:nvPr>
+        </p:nvSpPr>
+        <p:spPr/>
+        <p:txBody>
+          <a:bodyPr/>
+          <a:lstStyle/>
+          <a:p>
+            <a:r>
+              <a:rPr lang="da-DK" dirty="0"/>
+              <a:t>Bed om input</a:t>
+            </a:r>
           </a:p>
         </p:txBody>
       </p:sp>
@@ -1017,6 +1191,99 @@
               <a:rPr lang="da-DK" smtClean="0"/>
               <a:pPr/>
               <a:t>16</a:t>
+            </a:fld>
+            <a:endParaRPr lang="da-DK"/>
+          </a:p>
+        </p:txBody>
+      </p:sp>
+    </p:spTree>
+    <p:extLst>
+      <p:ext uri="{BB962C8B-B14F-4D97-AF65-F5344CB8AC3E}">
+        <p14:creationId xmlns:p14="http://schemas.microsoft.com/office/powerpoint/2010/main" val="101720022"/>
+      </p:ext>
+    </p:extLst>
+  </p:cSld>
+  <p:clrMapOvr>
+    <a:masterClrMapping/>
+  </p:clrMapOvr>
+</p:notes>
+</file>
+
+<file path=ppt/notesSlides/notesSlide9.xml><?xml version="1.0" encoding="utf-8"?>
+<p:notes xmlns:a="http://schemas.openxmlformats.org/drawingml/2006/main" xmlns:r="http://schemas.openxmlformats.org/officeDocument/2006/relationships" xmlns:p="http://schemas.openxmlformats.org/presentationml/2006/main">
+  <p:cSld>
+    <p:spTree>
+      <p:nvGrpSpPr>
+        <p:cNvPr id="1" name=""/>
+        <p:cNvGrpSpPr/>
+        <p:nvPr/>
+      </p:nvGrpSpPr>
+      <p:grpSpPr>
+        <a:xfrm>
+          <a:off x="0" y="0"/>
+          <a:ext cx="0" cy="0"/>
+          <a:chOff x="0" y="0"/>
+          <a:chExt cx="0" cy="0"/>
+        </a:xfrm>
+      </p:grpSpPr>
+      <p:sp>
+        <p:nvSpPr>
+          <p:cNvPr id="2" name="Pladsholder til slidebillede 1"/>
+          <p:cNvSpPr>
+            <a:spLocks noGrp="1" noRot="1" noChangeAspect="1"/>
+          </p:cNvSpPr>
+          <p:nvPr>
+            <p:ph type="sldImg"/>
+          </p:nvPr>
+        </p:nvSpPr>
+        <p:spPr/>
+      </p:sp>
+      <p:sp>
+        <p:nvSpPr>
+          <p:cNvPr id="3" name="Pladsholder til noter 2"/>
+          <p:cNvSpPr>
+            <a:spLocks noGrp="1"/>
+          </p:cNvSpPr>
+          <p:nvPr>
+            <p:ph type="body" idx="1"/>
+          </p:nvPr>
+        </p:nvSpPr>
+        <p:spPr/>
+        <p:txBody>
+          <a:bodyPr/>
+          <a:lstStyle/>
+          <a:p>
+            <a:r>
+              <a:rPr lang="da-DK" dirty="0"/>
+              <a:t>Security</a:t>
+            </a:r>
+            <a:r>
+              <a:rPr lang="da-DK" baseline="0" dirty="0"/>
+              <a:t> her er lidt misvisende, da det mere minder om en slags adgangskontrol og om at sikre at folk indefra ikke lækker data. </a:t>
+            </a:r>
+            <a:endParaRPr lang="da-DK" dirty="0"/>
+          </a:p>
+        </p:txBody>
+      </p:sp>
+      <p:sp>
+        <p:nvSpPr>
+          <p:cNvPr id="4" name="Pladsholder til slidenummer 3"/>
+          <p:cNvSpPr>
+            <a:spLocks noGrp="1"/>
+          </p:cNvSpPr>
+          <p:nvPr>
+            <p:ph type="sldNum" sz="quarter" idx="10"/>
+          </p:nvPr>
+        </p:nvSpPr>
+        <p:spPr/>
+        <p:txBody>
+          <a:bodyPr/>
+          <a:lstStyle/>
+          <a:p>
+            <a:fld id="{5D716877-B449-4BC1-B13E-D244F5AFBD0E}" type="slidenum">
+              <a:rPr lang="da-DK" smtClean="0"/>
+              <a:pPr/>
+              <a:t>17</a:t>
             </a:fld>
             <a:endParaRPr lang="da-DK"/>
           </a:p>
@@ -1769,7 +2036,7 @@
           <a:p>
             <a:fld id="{48A87A34-81AB-432B-8DAE-1953F412C126}" type="datetimeFigureOut">
               <a:rPr lang="en-US" smtClean="0"/>
-              <a:t>11/6/2016</a:t>
+              <a:t>11/8/2016</a:t>
             </a:fld>
             <a:endParaRPr lang="en-US" dirty="0"/>
           </a:p>
@@ -1986,7 +2253,7 @@
           <a:p>
             <a:fld id="{48A87A34-81AB-432B-8DAE-1953F412C126}" type="datetimeFigureOut">
               <a:rPr lang="en-US" smtClean="0"/>
-              <a:t>11/6/2016</a:t>
+              <a:t>11/8/2016</a:t>
             </a:fld>
             <a:endParaRPr lang="en-US" dirty="0"/>
           </a:p>
@@ -2271,7 +2538,7 @@
             <a:fld id="{48A87A34-81AB-432B-8DAE-1953F412C126}" type="datetimeFigureOut">
               <a:rPr lang="en-US" smtClean="0"/>
               <a:pPr/>
-              <a:t>11/6/2016</a:t>
+              <a:t>11/8/2016</a:t>
             </a:fld>
             <a:endParaRPr lang="en-US" dirty="0"/>
           </a:p>
@@ -2544,7 +2811,7 @@
           <a:p>
             <a:fld id="{48A87A34-81AB-432B-8DAE-1953F412C126}" type="datetimeFigureOut">
               <a:rPr lang="en-US" smtClean="0"/>
-              <a:t>11/6/2016</a:t>
+              <a:t>11/8/2016</a:t>
             </a:fld>
             <a:endParaRPr lang="en-US" dirty="0"/>
           </a:p>
@@ -3240,7 +3507,7 @@
           <a:p>
             <a:fld id="{48A87A34-81AB-432B-8DAE-1953F412C126}" type="datetimeFigureOut">
               <a:rPr lang="en-US" smtClean="0"/>
-              <a:t>11/6/2016</a:t>
+              <a:t>11/8/2016</a:t>
             </a:fld>
             <a:endParaRPr lang="en-US" dirty="0"/>
           </a:p>
@@ -6571,14 +6838,14 @@
           </a:ln>
           <a:extLst>
             <a:ext uri="{909E8E84-426E-40dd-AFC4-6F175D3DCCD1}">
-              <a14:hiddenFill xmlns:a14="http://schemas.microsoft.com/office/drawing/2010/main" xmlns="">
+              <a14:hiddenFill xmlns="" xmlns:a14="http://schemas.microsoft.com/office/drawing/2010/main">
                 <a:solidFill>
                   <a:srgbClr val="FFFFFF"/>
                 </a:solidFill>
               </a14:hiddenFill>
             </a:ext>
             <a:ext uri="{91240B29-F687-4f45-9708-019B960494DF}">
-              <a14:hiddenLine xmlns:a14="http://schemas.microsoft.com/office/drawing/2010/main" xmlns="" w="9525">
+              <a14:hiddenLine xmlns="" xmlns:a14="http://schemas.microsoft.com/office/drawing/2010/main" w="9525">
                 <a:solidFill>
                   <a:srgbClr val="000000"/>
                 </a:solidFill>
@@ -7127,7 +7394,7 @@
             <a:fld id="{48A87A34-81AB-432B-8DAE-1953F412C126}" type="datetimeFigureOut">
               <a:rPr lang="en-US" dirty="0"/>
               <a:pPr/>
-              <a:t>11/6/2016</a:t>
+              <a:t>11/8/2016</a:t>
             </a:fld>
             <a:endParaRPr lang="en-US" dirty="0"/>
           </a:p>
@@ -7249,14 +7516,14 @@
           </a:ln>
           <a:extLst>
             <a:ext uri="{909E8E84-426E-40dd-AFC4-6F175D3DCCD1}">
-              <a14:hiddenFill xmlns:a14="http://schemas.microsoft.com/office/drawing/2010/main" xmlns="">
+              <a14:hiddenFill xmlns="" xmlns:a14="http://schemas.microsoft.com/office/drawing/2010/main">
                 <a:solidFill>
                   <a:srgbClr val="FFFFFF"/>
                 </a:solidFill>
               </a14:hiddenFill>
             </a:ext>
             <a:ext uri="{91240B29-F687-4f45-9708-019B960494DF}">
-              <a14:hiddenLine xmlns:a14="http://schemas.microsoft.com/office/drawing/2010/main" xmlns="" w="9525">
+              <a14:hiddenLine xmlns="" xmlns:a14="http://schemas.microsoft.com/office/drawing/2010/main" w="9525">
                 <a:solidFill>
                   <a:srgbClr val="000000"/>
                 </a:solidFill>
@@ -7730,99 +7997,75 @@
           <a:lstStyle/>
           <a:p>
             <a:r>
+              <a:rPr lang="da-DK" dirty="0"/>
+              <a:t>Forsvar mod dos</a:t>
+            </a:r>
+          </a:p>
+        </p:txBody>
+      </p:sp>
+      <p:sp>
+        <p:nvSpPr>
+          <p:cNvPr id="3" name="Pladsholder til indhold 2"/>
+          <p:cNvSpPr>
+            <a:spLocks noGrp="1"/>
+          </p:cNvSpPr>
+          <p:nvPr>
+            <p:ph idx="1"/>
+          </p:nvPr>
+        </p:nvSpPr>
+        <p:spPr/>
+        <p:txBody>
+          <a:bodyPr/>
+          <a:lstStyle/>
+          <a:p>
+            <a:r>
+              <a:rPr lang="da-DK" dirty="0"/>
+              <a:t>Beskyt mod </a:t>
+            </a:r>
+            <a:r>
               <a:rPr lang="da-DK" dirty="0" err="1"/>
-              <a:t>Firewall</a:t>
-            </a:r>
-            <a:r>
-              <a:rPr lang="da-DK" dirty="0"/>
-              <a:t>, IDS og IDPS</a:t>
-            </a:r>
-          </a:p>
-        </p:txBody>
-      </p:sp>
-      <p:sp>
-        <p:nvSpPr>
-          <p:cNvPr id="5" name="Pladsholder til indhold 4"/>
-          <p:cNvSpPr>
-            <a:spLocks noGrp="1"/>
-          </p:cNvSpPr>
-          <p:nvPr>
-            <p:ph idx="1"/>
-          </p:nvPr>
-        </p:nvSpPr>
-        <p:spPr/>
-        <p:txBody>
-          <a:bodyPr/>
-          <a:lstStyle/>
-          <a:p>
-            <a:r>
-              <a:rPr lang="da-DK" dirty="0"/>
-              <a:t>Firewall: port baseret</a:t>
-            </a:r>
-          </a:p>
-          <a:p>
-            <a:pPr lvl="1"/>
+              <a:t>adressespoofing</a:t>
+            </a:r>
+            <a:r>
+              <a:rPr lang="da-DK" dirty="0"/>
+              <a:t> i det omfang det kan lade sig gøre ved at konfigurere din router rigtigt. Se RFC 2827. Primært relevant for ISP. </a:t>
+            </a:r>
+          </a:p>
+          <a:p>
+            <a:r>
+              <a:rPr lang="da-DK" dirty="0"/>
+              <a:t>Sæt SYN cookies op. Standard i Windows, ikke på Linux/</a:t>
+            </a:r>
             <a:r>
               <a:rPr lang="da-DK" dirty="0" err="1"/>
-              <a:t>En-vejs</a:t>
-            </a:r>
-            <a:r>
-              <a:rPr lang="da-DK" dirty="0"/>
-              <a:t>: typisk hardware, beskytter primært mod trusler udefra</a:t>
-            </a:r>
-          </a:p>
-          <a:p>
-            <a:pPr lvl="1"/>
+              <a:t>FreeBSD</a:t>
+            </a:r>
+            <a:r>
+              <a:rPr lang="da-DK" dirty="0"/>
+              <a:t>. </a:t>
+            </a:r>
+          </a:p>
+          <a:p>
+            <a:r>
+              <a:rPr lang="da-DK" dirty="0"/>
+              <a:t>Bloker eksterne broadcasts.</a:t>
+            </a:r>
+          </a:p>
+          <a:p>
             <a:r>
               <a:rPr lang="da-DK" dirty="0" err="1"/>
-              <a:t>To-vejs</a:t>
-            </a:r>
-            <a:r>
-              <a:rPr lang="da-DK" dirty="0"/>
-              <a:t>: implementeret i software på klienter, beskytter også mod at ondsindet software kan tilgå nettet. </a:t>
-            </a:r>
-          </a:p>
-          <a:p>
-            <a:r>
-              <a:rPr lang="da-DK" dirty="0" err="1"/>
-              <a:t>Intrusion</a:t>
-            </a:r>
-            <a:r>
-              <a:rPr lang="da-DK" dirty="0"/>
-              <a:t> </a:t>
-            </a:r>
-            <a:r>
-              <a:rPr lang="da-DK" dirty="0" err="1"/>
-              <a:t>Detection</a:t>
-            </a:r>
-            <a:r>
-              <a:rPr lang="da-DK" dirty="0"/>
-              <a:t> System: Forsøger at opdage angreb ved forskellige former for analyse.</a:t>
-            </a:r>
-          </a:p>
-          <a:p>
-            <a:r>
-              <a:rPr lang="da-DK" dirty="0" err="1"/>
-              <a:t>Intrusion</a:t>
-            </a:r>
-            <a:r>
-              <a:rPr lang="da-DK" dirty="0"/>
-              <a:t> </a:t>
-            </a:r>
-            <a:r>
-              <a:rPr lang="da-DK" dirty="0" err="1"/>
-              <a:t>Prevention</a:t>
-            </a:r>
-            <a:r>
-              <a:rPr lang="da-DK" dirty="0"/>
-              <a:t> System: Forebyggelse af indtrængen, netværksbaseret (NIPS) eller host-baseret (HIPS). </a:t>
-            </a:r>
-          </a:p>
-        </p:txBody>
-      </p:sp>
-      <p:sp>
-        <p:nvSpPr>
-          <p:cNvPr id="6" name="Pladsholder til sidefod 3"/>
+              <a:t>Mirroring</a:t>
+            </a:r>
+            <a:r>
+              <a:rPr lang="da-DK" dirty="0"/>
+              <a:t>. </a:t>
+            </a:r>
+          </a:p>
+        </p:txBody>
+      </p:sp>
+      <p:sp>
+        <p:nvSpPr>
+          <p:cNvPr id="5" name="Pladsholder til sidefod 3"/>
           <p:cNvSpPr>
             <a:spLocks noGrp="1"/>
           </p:cNvSpPr>
@@ -7848,6 +8091,11 @@
         </p:txBody>
       </p:sp>
     </p:spTree>
+    <p:extLst>
+      <p:ext uri="{BB962C8B-B14F-4D97-AF65-F5344CB8AC3E}">
+        <p14:creationId xmlns:p14="http://schemas.microsoft.com/office/powerpoint/2010/main" val="185028832"/>
+      </p:ext>
+    </p:extLst>
   </p:cSld>
   <p:clrMapOvr>
     <a:masterClrMapping/>
@@ -7888,15 +8136,19 @@
           <a:lstStyle/>
           <a:p>
             <a:r>
-              <a:rPr lang="da-DK" dirty="0"/>
-              <a:t>firewall</a:t>
-            </a:r>
-          </a:p>
-        </p:txBody>
-      </p:sp>
-      <p:sp>
-        <p:nvSpPr>
-          <p:cNvPr id="3" name="Pladsholder til indhold 2"/>
+              <a:rPr lang="da-DK" dirty="0" err="1"/>
+              <a:t>Firewall</a:t>
+            </a:r>
+            <a:r>
+              <a:rPr lang="da-DK" dirty="0"/>
+              <a:t>, IDS og IDPS</a:t>
+            </a:r>
+          </a:p>
+        </p:txBody>
+      </p:sp>
+      <p:sp>
+        <p:nvSpPr>
+          <p:cNvPr id="5" name="Pladsholder til indhold 4"/>
           <p:cNvSpPr>
             <a:spLocks noGrp="1"/>
           </p:cNvSpPr>
@@ -7911,67 +8163,72 @@
           <a:p>
             <a:r>
               <a:rPr lang="da-DK" dirty="0"/>
-              <a:t>Som udgangspunkt et pakkefilter baseret på port-regler:</a:t>
-            </a:r>
-          </a:p>
-          <a:p>
-            <a:r>
-              <a:rPr lang="da-DK" dirty="0"/>
-              <a:t>Accepter</a:t>
-            </a:r>
-            <a:br>
-              <a:rPr lang="da-DK" dirty="0"/>
-            </a:br>
-            <a:r>
-              <a:rPr lang="da-DK" dirty="0"/>
-              <a:t>al SSH indgående</a:t>
-            </a:r>
-          </a:p>
-          <a:p>
-            <a:r>
-              <a:rPr lang="da-DK" dirty="0"/>
-              <a:t>Moderne firewalls kan være </a:t>
-            </a:r>
+              <a:t>Firewall: port baseret</a:t>
+            </a:r>
+          </a:p>
+          <a:p>
+            <a:pPr lvl="1"/>
             <a:r>
               <a:rPr lang="da-DK" dirty="0" err="1"/>
-              <a:t>stateful</a:t>
-            </a:r>
-            <a:r>
-              <a:rPr lang="da-DK" dirty="0"/>
-              <a:t> og på den måde følge med i trafikken på et højere niveau (som i eksemplet fx). </a:t>
-            </a:r>
-          </a:p>
-          <a:p>
-            <a:r>
-              <a:rPr lang="da-DK" dirty="0"/>
-              <a:t>Hvis man ønsker at blokere fx BitTorrent er en </a:t>
-            </a:r>
+              <a:t>En-vejs</a:t>
+            </a:r>
+            <a:r>
+              <a:rPr lang="da-DK" dirty="0"/>
+              <a:t>: typisk hardware, beskytter primært mod trusler udefra</a:t>
+            </a:r>
+          </a:p>
+          <a:p>
+            <a:pPr lvl="1"/>
             <a:r>
               <a:rPr lang="da-DK" dirty="0" err="1"/>
-              <a:t>application-level</a:t>
-            </a:r>
-            <a:r>
-              <a:rPr lang="da-DK" dirty="0"/>
-              <a:t> firewall nødvendig, så den kan kende forskel på alm. HTTP-trafik og </a:t>
-            </a:r>
+              <a:t>To-vejs</a:t>
+            </a:r>
+            <a:r>
+              <a:rPr lang="da-DK" dirty="0"/>
+              <a:t>: implementeret i software på klienter, beskytter også mod at ondsindet software kan tilgå nettet. </a:t>
+            </a:r>
+          </a:p>
+          <a:p>
             <a:r>
               <a:rPr lang="da-DK" dirty="0" err="1"/>
-              <a:t>Bittorrent</a:t>
-            </a:r>
-            <a:r>
-              <a:rPr lang="da-DK" dirty="0"/>
-              <a:t>. </a:t>
-            </a:r>
-          </a:p>
-          <a:p>
-            <a:pPr lvl="1"/>
-            <a:endParaRPr lang="da-DK" dirty="0"/>
-          </a:p>
-        </p:txBody>
-      </p:sp>
-      <p:sp>
-        <p:nvSpPr>
-          <p:cNvPr id="5" name="Pladsholder til sidefod 3"/>
+              <a:t>Intrusion</a:t>
+            </a:r>
+            <a:r>
+              <a:rPr lang="da-DK" dirty="0"/>
+              <a:t> </a:t>
+            </a:r>
+            <a:r>
+              <a:rPr lang="da-DK" dirty="0" err="1"/>
+              <a:t>Detection</a:t>
+            </a:r>
+            <a:r>
+              <a:rPr lang="da-DK" dirty="0"/>
+              <a:t> System: Forsøger at opdage angreb ved forskellige former for analyse.</a:t>
+            </a:r>
+          </a:p>
+          <a:p>
+            <a:r>
+              <a:rPr lang="da-DK" dirty="0" err="1"/>
+              <a:t>Intrusion</a:t>
+            </a:r>
+            <a:r>
+              <a:rPr lang="da-DK" dirty="0"/>
+              <a:t> </a:t>
+            </a:r>
+            <a:r>
+              <a:rPr lang="da-DK" dirty="0" err="1"/>
+              <a:t>Prevention</a:t>
+            </a:r>
+            <a:r>
+              <a:rPr lang="da-DK" dirty="0"/>
+              <a:t> System: Forebyggelse af indtrængen, netværksbaseret (NIPS) eller host-baseret (HIPS). </a:t>
+            </a:r>
+          </a:p>
+        </p:txBody>
+      </p:sp>
+      <p:sp>
+        <p:nvSpPr>
+          <p:cNvPr id="6" name="Pladsholder til sidefod 3"/>
           <p:cNvSpPr>
             <a:spLocks noGrp="1"/>
           </p:cNvSpPr>
@@ -7996,6 +8253,155 @@
           </a:p>
         </p:txBody>
       </p:sp>
+    </p:spTree>
+  </p:cSld>
+  <p:clrMapOvr>
+    <a:masterClrMapping/>
+  </p:clrMapOvr>
+</p:sld>
+</file>
+
+<file path=ppt/slides/slide12.xml><?xml version="1.0" encoding="utf-8"?>
+<p:sld xmlns:a="http://schemas.openxmlformats.org/drawingml/2006/main" xmlns:r="http://schemas.openxmlformats.org/officeDocument/2006/relationships" xmlns:p="http://schemas.openxmlformats.org/presentationml/2006/main">
+  <p:cSld>
+    <p:spTree>
+      <p:nvGrpSpPr>
+        <p:cNvPr id="1" name=""/>
+        <p:cNvGrpSpPr/>
+        <p:nvPr/>
+      </p:nvGrpSpPr>
+      <p:grpSpPr>
+        <a:xfrm>
+          <a:off x="0" y="0"/>
+          <a:ext cx="0" cy="0"/>
+          <a:chOff x="0" y="0"/>
+          <a:chExt cx="0" cy="0"/>
+        </a:xfrm>
+      </p:grpSpPr>
+      <p:sp>
+        <p:nvSpPr>
+          <p:cNvPr id="2" name="Titel 1"/>
+          <p:cNvSpPr>
+            <a:spLocks noGrp="1"/>
+          </p:cNvSpPr>
+          <p:nvPr>
+            <p:ph type="title"/>
+          </p:nvPr>
+        </p:nvSpPr>
+        <p:spPr/>
+        <p:txBody>
+          <a:bodyPr/>
+          <a:lstStyle/>
+          <a:p>
+            <a:r>
+              <a:rPr lang="da-DK" dirty="0"/>
+              <a:t>firewall</a:t>
+            </a:r>
+          </a:p>
+        </p:txBody>
+      </p:sp>
+      <p:sp>
+        <p:nvSpPr>
+          <p:cNvPr id="3" name="Pladsholder til indhold 2"/>
+          <p:cNvSpPr>
+            <a:spLocks noGrp="1"/>
+          </p:cNvSpPr>
+          <p:nvPr>
+            <p:ph idx="1"/>
+          </p:nvPr>
+        </p:nvSpPr>
+        <p:spPr/>
+        <p:txBody>
+          <a:bodyPr/>
+          <a:lstStyle/>
+          <a:p>
+            <a:r>
+              <a:rPr lang="da-DK" dirty="0"/>
+              <a:t>Som udgangspunkt et pakkefilter baseret på port-regler:</a:t>
+            </a:r>
+          </a:p>
+          <a:p>
+            <a:r>
+              <a:rPr lang="da-DK" dirty="0"/>
+              <a:t>Accepter</a:t>
+            </a:r>
+            <a:br>
+              <a:rPr lang="da-DK" dirty="0"/>
+            </a:br>
+            <a:r>
+              <a:rPr lang="da-DK" dirty="0"/>
+              <a:t>al SSH indgående</a:t>
+            </a:r>
+          </a:p>
+          <a:p>
+            <a:r>
+              <a:rPr lang="da-DK" dirty="0"/>
+              <a:t>Moderne firewalls kan være </a:t>
+            </a:r>
+            <a:r>
+              <a:rPr lang="da-DK" dirty="0" err="1"/>
+              <a:t>stateful</a:t>
+            </a:r>
+            <a:r>
+              <a:rPr lang="da-DK" dirty="0"/>
+              <a:t> og på den måde følge med i trafikken på et højere niveau (som i eksemplet fx). </a:t>
+            </a:r>
+          </a:p>
+          <a:p>
+            <a:r>
+              <a:rPr lang="da-DK" dirty="0"/>
+              <a:t>Hvis man ønsker at blokere fx BitTorrent er en </a:t>
+            </a:r>
+            <a:r>
+              <a:rPr lang="da-DK" dirty="0" err="1"/>
+              <a:t>application-level</a:t>
+            </a:r>
+            <a:r>
+              <a:rPr lang="da-DK" dirty="0"/>
+              <a:t> firewall nødvendig, så den kan kende forskel på alm. HTTP-trafik og </a:t>
+            </a:r>
+            <a:r>
+              <a:rPr lang="da-DK" dirty="0" err="1"/>
+              <a:t>Bittorrent</a:t>
+            </a:r>
+            <a:r>
+              <a:rPr lang="da-DK" dirty="0"/>
+              <a:t>. </a:t>
+            </a:r>
+          </a:p>
+          <a:p>
+            <a:pPr lvl="1"/>
+            <a:endParaRPr lang="da-DK" dirty="0"/>
+          </a:p>
+        </p:txBody>
+      </p:sp>
+      <p:sp>
+        <p:nvSpPr>
+          <p:cNvPr id="5" name="Pladsholder til sidefod 3"/>
+          <p:cNvSpPr>
+            <a:spLocks noGrp="1"/>
+          </p:cNvSpPr>
+          <p:nvPr>
+            <p:ph type="ftr" sz="quarter" idx="11"/>
+          </p:nvPr>
+        </p:nvSpPr>
+        <p:spPr>
+          <a:xfrm>
+            <a:off x="1443491" y="329308"/>
+            <a:ext cx="4034004" cy="309201"/>
+          </a:xfrm>
+        </p:spPr>
+        <p:txBody>
+          <a:bodyPr/>
+          <a:lstStyle/>
+          <a:p>
+            <a:r>
+              <a:rPr lang="da-DK" dirty="0"/>
+              <a:t>Videregående it-sikkerhed – Philip Kaare Løventoft - Smartlearning</a:t>
+            </a:r>
+          </a:p>
+        </p:txBody>
+      </p:sp>
       <p:sp>
         <p:nvSpPr>
           <p:cNvPr id="4" name="Rectangle 1"/>
@@ -8006,7 +8412,7 @@
         </p:nvSpPr>
         <p:spPr bwMode="auto">
           <a:xfrm>
-            <a:off x="3627984" y="2564904"/>
+            <a:off x="3419872" y="2492896"/>
             <a:ext cx="5544616" cy="246221"/>
           </a:xfrm>
           <a:prstGeom prst="rect">
@@ -8213,172 +8619,6 @@
 </p:sld>
 </file>
 
-<file path=ppt/slides/slide12.xml><?xml version="1.0" encoding="utf-8"?>
-<p:sld xmlns:a="http://schemas.openxmlformats.org/drawingml/2006/main" xmlns:r="http://schemas.openxmlformats.org/officeDocument/2006/relationships" xmlns:p="http://schemas.openxmlformats.org/presentationml/2006/main">
-  <p:cSld>
-    <p:spTree>
-      <p:nvGrpSpPr>
-        <p:cNvPr id="1" name=""/>
-        <p:cNvGrpSpPr/>
-        <p:nvPr/>
-      </p:nvGrpSpPr>
-      <p:grpSpPr>
-        <a:xfrm>
-          <a:off x="0" y="0"/>
-          <a:ext cx="0" cy="0"/>
-          <a:chOff x="0" y="0"/>
-          <a:chExt cx="0" cy="0"/>
-        </a:xfrm>
-      </p:grpSpPr>
-      <p:sp>
-        <p:nvSpPr>
-          <p:cNvPr id="2" name="Titel 1"/>
-          <p:cNvSpPr>
-            <a:spLocks noGrp="1"/>
-          </p:cNvSpPr>
-          <p:nvPr>
-            <p:ph type="title"/>
-          </p:nvPr>
-        </p:nvSpPr>
-        <p:spPr/>
-        <p:txBody>
-          <a:bodyPr/>
-          <a:lstStyle/>
-          <a:p>
-            <a:r>
-              <a:rPr lang="da-DK" dirty="0"/>
-              <a:t>Firewall opsætning</a:t>
-            </a:r>
-          </a:p>
-        </p:txBody>
-      </p:sp>
-      <p:sp>
-        <p:nvSpPr>
-          <p:cNvPr id="3" name="Pladsholder til indhold 2"/>
-          <p:cNvSpPr>
-            <a:spLocks noGrp="1"/>
-          </p:cNvSpPr>
-          <p:nvPr>
-            <p:ph idx="1"/>
-          </p:nvPr>
-        </p:nvSpPr>
-        <p:spPr/>
-        <p:txBody>
-          <a:bodyPr>
-            <a:normAutofit fontScale="85000" lnSpcReduction="10000"/>
-          </a:bodyPr>
-          <a:lstStyle/>
-          <a:p>
-            <a:r>
-              <a:rPr lang="da-DK" dirty="0" err="1"/>
-              <a:t>Anti-spoofing</a:t>
-            </a:r>
-            <a:r>
-              <a:rPr lang="da-DK" dirty="0"/>
-              <a:t>, bloker illegale adresser. </a:t>
-            </a:r>
-          </a:p>
-          <a:p>
-            <a:r>
-              <a:rPr lang="da-DK" dirty="0"/>
-              <a:t>Bør som standard afvise al indgående trafik.</a:t>
-            </a:r>
-          </a:p>
-          <a:p>
-            <a:r>
-              <a:rPr lang="da-DK" dirty="0"/>
-              <a:t>Test din firewall!</a:t>
-            </a:r>
-          </a:p>
-          <a:p>
-            <a:r>
-              <a:rPr lang="da-DK" dirty="0"/>
-              <a:t>Brug </a:t>
-            </a:r>
-            <a:r>
-              <a:rPr lang="da-DK" dirty="0" err="1"/>
-              <a:t>ssh</a:t>
-            </a:r>
-            <a:r>
-              <a:rPr lang="da-DK" dirty="0"/>
-              <a:t> til administration. </a:t>
-            </a:r>
-          </a:p>
-          <a:p>
-            <a:r>
-              <a:rPr lang="da-DK" dirty="0"/>
-              <a:t>Bloker ICMP. </a:t>
-            </a:r>
-          </a:p>
-          <a:p>
-            <a:r>
-              <a:rPr lang="da-DK" dirty="0"/>
-              <a:t>Brug </a:t>
-            </a:r>
-            <a:r>
-              <a:rPr lang="da-DK" dirty="0" err="1"/>
-              <a:t>masquerading</a:t>
-            </a:r>
-            <a:r>
-              <a:rPr lang="da-DK" dirty="0"/>
-              <a:t>.</a:t>
-            </a:r>
-          </a:p>
-          <a:p>
-            <a:r>
-              <a:rPr lang="da-DK" dirty="0"/>
-              <a:t>Se </a:t>
-            </a:r>
-            <a:r>
-              <a:rPr lang="da-DK" dirty="0">
-                <a:hlinkClick r:id="rId2"/>
-              </a:rPr>
-              <a:t>https://www.sans.org/media/score/checklists/FirewallChecklist.pdf</a:t>
-            </a:r>
-            <a:endParaRPr lang="da-DK" dirty="0"/>
-          </a:p>
-        </p:txBody>
-      </p:sp>
-      <p:sp>
-        <p:nvSpPr>
-          <p:cNvPr id="5" name="Pladsholder til sidefod 3"/>
-          <p:cNvSpPr>
-            <a:spLocks noGrp="1"/>
-          </p:cNvSpPr>
-          <p:nvPr>
-            <p:ph type="ftr" sz="quarter" idx="11"/>
-          </p:nvPr>
-        </p:nvSpPr>
-        <p:spPr>
-          <a:xfrm>
-            <a:off x="1443491" y="329308"/>
-            <a:ext cx="4034004" cy="309201"/>
-          </a:xfrm>
-        </p:spPr>
-        <p:txBody>
-          <a:bodyPr/>
-          <a:lstStyle/>
-          <a:p>
-            <a:r>
-              <a:rPr lang="da-DK" dirty="0"/>
-              <a:t>Videregående it-sikkerhed – Philip Kaare Løventoft - Smartlearning</a:t>
-            </a:r>
-          </a:p>
-        </p:txBody>
-      </p:sp>
-    </p:spTree>
-    <p:extLst>
-      <p:ext uri="{BB962C8B-B14F-4D97-AF65-F5344CB8AC3E}">
-        <p14:creationId xmlns:p14="http://schemas.microsoft.com/office/powerpoint/2010/main" val="1959149603"/>
-      </p:ext>
-    </p:extLst>
-  </p:cSld>
-  <p:clrMapOvr>
-    <a:masterClrMapping/>
-  </p:clrMapOvr>
-</p:sld>
-</file>
-
 <file path=ppt/slides/slide13.xml><?xml version="1.0" encoding="utf-8"?>
 <p:sld xmlns:a="http://schemas.openxmlformats.org/drawingml/2006/main" xmlns:r="http://schemas.openxmlformats.org/officeDocument/2006/relationships" xmlns:p="http://schemas.openxmlformats.org/presentationml/2006/main">
   <p:cSld>
@@ -8413,7 +8653,7 @@
           <a:p>
             <a:r>
               <a:rPr lang="da-DK" dirty="0"/>
-              <a:t>IDS</a:t>
+              <a:t>Firewall opsætning</a:t>
             </a:r>
           </a:p>
         </p:txBody>
@@ -8431,57 +8671,77 @@
         <p:spPr/>
         <p:txBody>
           <a:bodyPr>
-            <a:normAutofit fontScale="92500" lnSpcReduction="10000"/>
+            <a:normAutofit fontScale="85000" lnSpcReduction="10000"/>
           </a:bodyPr>
           <a:lstStyle/>
           <a:p>
             <a:r>
-              <a:rPr lang="da-DK" dirty="0"/>
-              <a:t>Findes som netværksbasererede og host-baserede</a:t>
-            </a:r>
-          </a:p>
-          <a:p>
-            <a:r>
-              <a:rPr lang="da-DK" dirty="0"/>
-              <a:t>Netværksbaserede analyserer pakker og forsøger at detektere usædvanlige pakker. </a:t>
-            </a:r>
-          </a:p>
-          <a:p>
-            <a:r>
               <a:rPr lang="da-DK" dirty="0" err="1"/>
-              <a:t>Hostbaserede</a:t>
-            </a:r>
-            <a:r>
-              <a:rPr lang="da-DK" dirty="0"/>
-              <a:t> holder øje med fx systemkald og filer på disken vha. checksums. </a:t>
-            </a:r>
-          </a:p>
-          <a:p>
-            <a:r>
-              <a:rPr lang="da-DK" dirty="0"/>
-              <a:t>Forskellige typer</a:t>
-            </a:r>
-          </a:p>
-          <a:p>
-            <a:pPr lvl="1"/>
-            <a:r>
-              <a:rPr lang="da-DK" dirty="0"/>
-              <a:t>Statistiske modeller</a:t>
-            </a:r>
-          </a:p>
-          <a:p>
-            <a:pPr lvl="1"/>
-            <a:r>
-              <a:rPr lang="da-DK" dirty="0"/>
-              <a:t>Heuristiske</a:t>
-            </a:r>
-          </a:p>
-          <a:p>
-            <a:pPr lvl="1"/>
-            <a:r>
-              <a:rPr lang="da-DK" dirty="0"/>
-              <a:t>Machine learning-baserede</a:t>
-            </a:r>
+              <a:t>Anti-spoofing</a:t>
+            </a:r>
+            <a:r>
+              <a:rPr lang="da-DK" dirty="0"/>
+              <a:t>, bloker illegale adresser. </a:t>
+            </a:r>
+          </a:p>
+          <a:p>
+            <a:r>
+              <a:rPr lang="da-DK" dirty="0"/>
+              <a:t>Bør som standard afvise al indgående trafik.</a:t>
+            </a:r>
+          </a:p>
+          <a:p>
+            <a:r>
+              <a:rPr lang="da-DK" dirty="0"/>
+              <a:t>Test din firewall!</a:t>
+            </a:r>
+          </a:p>
+          <a:p>
+            <a:r>
+              <a:rPr lang="da-DK" dirty="0"/>
+              <a:t>Brug </a:t>
+            </a:r>
+            <a:r>
+              <a:rPr lang="da-DK" dirty="0" err="1"/>
+              <a:t>ssh</a:t>
+            </a:r>
+            <a:r>
+              <a:rPr lang="da-DK" dirty="0"/>
+              <a:t> til administration. </a:t>
+            </a:r>
+          </a:p>
+          <a:p>
+            <a:r>
+              <a:rPr lang="da-DK" dirty="0"/>
+              <a:t>Bloker ICMP. </a:t>
+            </a:r>
+          </a:p>
+          <a:p>
+            <a:r>
+              <a:rPr lang="da-DK" dirty="0"/>
+              <a:t>Brug </a:t>
+            </a:r>
+            <a:r>
+              <a:rPr lang="da-DK" dirty="0" err="1"/>
+              <a:t>masquerading</a:t>
+            </a:r>
+            <a:r>
+              <a:rPr lang="da-DK" dirty="0"/>
+              <a:t>.</a:t>
+            </a:r>
+          </a:p>
+          <a:p>
+            <a:r>
+              <a:rPr lang="da-DK" dirty="0"/>
+              <a:t>Se </a:t>
+            </a:r>
+            <a:r>
+              <a:rPr lang="da-DK" dirty="0">
+                <a:hlinkClick r:id="rId3"/>
+              </a:rPr>
+              <a:t>https://www.sans.org/media/score/checklists/FirewallChecklist.pdf</a:t>
+            </a:r>
+            <a:endParaRPr lang="da-DK" dirty="0"/>
           </a:p>
         </p:txBody>
       </p:sp>
@@ -8515,7 +8775,7 @@
     </p:spTree>
     <p:extLst>
       <p:ext uri="{BB962C8B-B14F-4D97-AF65-F5344CB8AC3E}">
-        <p14:creationId xmlns:p14="http://schemas.microsoft.com/office/powerpoint/2010/main" val="536266341"/>
+        <p14:creationId xmlns:p14="http://schemas.microsoft.com/office/powerpoint/2010/main" val="1959149603"/>
       </p:ext>
     </p:extLst>
   </p:cSld>
@@ -8559,7 +8819,7 @@
           <a:p>
             <a:r>
               <a:rPr lang="da-DK" dirty="0"/>
-              <a:t>IPS</a:t>
+              <a:t>IDS</a:t>
             </a:r>
           </a:p>
         </p:txBody>
@@ -8576,40 +8836,57 @@
         </p:nvSpPr>
         <p:spPr/>
         <p:txBody>
-          <a:bodyPr/>
-          <a:lstStyle/>
-          <a:p>
-            <a:r>
-              <a:rPr lang="da-DK" dirty="0"/>
-              <a:t>Med IPS forsøger man at bruge information fra IDS til at forhindre eller bremse angreb. </a:t>
-            </a:r>
-          </a:p>
-          <a:p>
-            <a:r>
-              <a:rPr lang="da-DK" dirty="0"/>
-              <a:t>Et oplagt eksempel er anti-virus software der detekterer at en fil er ændret på en uønsket måde. </a:t>
-            </a:r>
-          </a:p>
-          <a:p>
-            <a:r>
-              <a:rPr lang="da-DK" dirty="0"/>
-              <a:t>Det kan være filtrering af FTP-kommandoer eller blokering af </a:t>
-            </a:r>
+          <a:bodyPr>
+            <a:normAutofit fontScale="92500" lnSpcReduction="10000"/>
+          </a:bodyPr>
+          <a:lstStyle/>
+          <a:p>
+            <a:r>
+              <a:rPr lang="da-DK" dirty="0"/>
+              <a:t>Findes som netværksbasererede og host-baserede</a:t>
+            </a:r>
+          </a:p>
+          <a:p>
+            <a:r>
+              <a:rPr lang="da-DK" dirty="0"/>
+              <a:t>Netværksbaserede analyserer pakker og forsøger at detektere usædvanlige pakker. </a:t>
+            </a:r>
+          </a:p>
+          <a:p>
             <a:r>
               <a:rPr lang="da-DK" dirty="0" err="1"/>
-              <a:t>source-ip’er</a:t>
-            </a:r>
-            <a:r>
-              <a:rPr lang="da-DK" dirty="0"/>
-              <a:t> der forsøger at tilgå visse mapper på en </a:t>
-            </a:r>
-            <a:r>
-              <a:rPr lang="da-DK" dirty="0" err="1"/>
-              <a:t>webserver</a:t>
-            </a:r>
-            <a:r>
-              <a:rPr lang="da-DK" dirty="0"/>
-              <a:t>. </a:t>
+              <a:t>Hostbaserede</a:t>
+            </a:r>
+            <a:r>
+              <a:rPr lang="da-DK" dirty="0"/>
+              <a:t> holder øje med fx systemkald og filer på disken vha. checksums. </a:t>
+            </a:r>
+          </a:p>
+          <a:p>
+            <a:r>
+              <a:rPr lang="da-DK" dirty="0"/>
+              <a:t>Forskellige typer</a:t>
+            </a:r>
+          </a:p>
+          <a:p>
+            <a:pPr lvl="1"/>
+            <a:r>
+              <a:rPr lang="da-DK" dirty="0"/>
+              <a:t>Statistiske modeller</a:t>
+            </a:r>
+          </a:p>
+          <a:p>
+            <a:pPr lvl="1"/>
+            <a:r>
+              <a:rPr lang="da-DK" dirty="0"/>
+              <a:t>Heuristiske</a:t>
+            </a:r>
+          </a:p>
+          <a:p>
+            <a:pPr lvl="1"/>
+            <a:r>
+              <a:rPr lang="da-DK" dirty="0"/>
+              <a:t>Machine learning-baserede</a:t>
             </a:r>
           </a:p>
         </p:txBody>
@@ -8644,7 +8921,7 @@
     </p:spTree>
     <p:extLst>
       <p:ext uri="{BB962C8B-B14F-4D97-AF65-F5344CB8AC3E}">
-        <p14:creationId xmlns:p14="http://schemas.microsoft.com/office/powerpoint/2010/main" val="1164245144"/>
+        <p14:creationId xmlns:p14="http://schemas.microsoft.com/office/powerpoint/2010/main" val="536266341"/>
       </p:ext>
     </p:extLst>
   </p:cSld>
@@ -8688,74 +8965,58 @@
           <a:p>
             <a:r>
               <a:rPr lang="da-DK" dirty="0"/>
-              <a:t>Praktisk ids/</a:t>
+              <a:t>IPS</a:t>
+            </a:r>
+          </a:p>
+        </p:txBody>
+      </p:sp>
+      <p:sp>
+        <p:nvSpPr>
+          <p:cNvPr id="3" name="Pladsholder til indhold 2"/>
+          <p:cNvSpPr>
+            <a:spLocks noGrp="1"/>
+          </p:cNvSpPr>
+          <p:nvPr>
+            <p:ph idx="1"/>
+          </p:nvPr>
+        </p:nvSpPr>
+        <p:spPr/>
+        <p:txBody>
+          <a:bodyPr/>
+          <a:lstStyle/>
+          <a:p>
+            <a:r>
+              <a:rPr lang="da-DK" dirty="0"/>
+              <a:t>Med IPS forsøger man at bruge information fra IDS til at forhindre eller bremse angreb. </a:t>
+            </a:r>
+          </a:p>
+          <a:p>
+            <a:r>
+              <a:rPr lang="da-DK" dirty="0"/>
+              <a:t>Et oplagt eksempel er anti-virus software der detekterer at en fil er ændret på en uønsket måde. </a:t>
+            </a:r>
+          </a:p>
+          <a:p>
+            <a:r>
+              <a:rPr lang="da-DK" dirty="0"/>
+              <a:t>Det kan være filtrering af FTP-kommandoer eller blokering af </a:t>
             </a:r>
             <a:r>
               <a:rPr lang="da-DK" dirty="0" err="1"/>
-              <a:t>ips</a:t>
-            </a:r>
-            <a:endParaRPr lang="da-DK" dirty="0"/>
-          </a:p>
-        </p:txBody>
-      </p:sp>
-      <p:sp>
-        <p:nvSpPr>
-          <p:cNvPr id="3" name="Pladsholder til indhold 2"/>
-          <p:cNvSpPr>
-            <a:spLocks noGrp="1"/>
-          </p:cNvSpPr>
-          <p:nvPr>
-            <p:ph idx="1"/>
-          </p:nvPr>
-        </p:nvSpPr>
-        <p:spPr/>
-        <p:txBody>
-          <a:bodyPr/>
-          <a:lstStyle/>
-          <a:p>
-            <a:r>
-              <a:rPr lang="da-DK" dirty="0"/>
-              <a:t>Overvej integrerede løsninger der inkorporerer firewall, IDS og IPS. </a:t>
-            </a:r>
-          </a:p>
-          <a:p>
+              <a:t>source-ip’er</a:t>
+            </a:r>
+            <a:r>
+              <a:rPr lang="da-DK" dirty="0"/>
+              <a:t> der forsøger at tilgå visse mapper på en </a:t>
+            </a:r>
             <a:r>
               <a:rPr lang="da-DK" dirty="0" err="1"/>
-              <a:t>Snort</a:t>
-            </a:r>
-            <a:r>
-              <a:rPr lang="da-DK" dirty="0"/>
-              <a:t> er ret anerkendt som open-source værktøj. </a:t>
-            </a:r>
-          </a:p>
-          <a:p>
-            <a:r>
-              <a:rPr lang="da-DK" dirty="0"/>
-              <a:t>Kan fx detektere port </a:t>
-            </a:r>
-            <a:r>
-              <a:rPr lang="da-DK" dirty="0" err="1"/>
-              <a:t>scans</a:t>
-            </a:r>
-            <a:r>
-              <a:rPr lang="da-DK" dirty="0"/>
-              <a:t>, fragmentation. </a:t>
-            </a:r>
-          </a:p>
-          <a:p>
-            <a:r>
-              <a:rPr lang="da-DK" dirty="0">
-                <a:hlinkClick r:id="rId2"/>
-              </a:rPr>
-              <a:t>https://www.youtube.com/watch?v=cQeeko9J_Yw</a:t>
-            </a:r>
-            <a:endParaRPr lang="da-DK" dirty="0"/>
-          </a:p>
-          <a:p>
-            <a:endParaRPr lang="da-DK" dirty="0"/>
-          </a:p>
-          <a:p>
-            <a:endParaRPr lang="da-DK" dirty="0"/>
+              <a:t>webserver</a:t>
+            </a:r>
+            <a:r>
+              <a:rPr lang="da-DK" dirty="0"/>
+              <a:t>. </a:t>
+            </a:r>
           </a:p>
         </p:txBody>
       </p:sp>
@@ -8789,7 +9050,7 @@
     </p:spTree>
     <p:extLst>
       <p:ext uri="{BB962C8B-B14F-4D97-AF65-F5344CB8AC3E}">
-        <p14:creationId xmlns:p14="http://schemas.microsoft.com/office/powerpoint/2010/main" val="677572998"/>
+        <p14:creationId xmlns:p14="http://schemas.microsoft.com/office/powerpoint/2010/main" val="1164245144"/>
       </p:ext>
     </p:extLst>
   </p:cSld>
@@ -8832,6 +9093,151 @@
           <a:lstStyle/>
           <a:p>
             <a:r>
+              <a:rPr lang="da-DK" dirty="0"/>
+              <a:t>Praktisk ids/</a:t>
+            </a:r>
+            <a:r>
+              <a:rPr lang="da-DK" dirty="0" err="1"/>
+              <a:t>ips</a:t>
+            </a:r>
+            <a:endParaRPr lang="da-DK" dirty="0"/>
+          </a:p>
+        </p:txBody>
+      </p:sp>
+      <p:sp>
+        <p:nvSpPr>
+          <p:cNvPr id="3" name="Pladsholder til indhold 2"/>
+          <p:cNvSpPr>
+            <a:spLocks noGrp="1"/>
+          </p:cNvSpPr>
+          <p:nvPr>
+            <p:ph idx="1"/>
+          </p:nvPr>
+        </p:nvSpPr>
+        <p:spPr/>
+        <p:txBody>
+          <a:bodyPr/>
+          <a:lstStyle/>
+          <a:p>
+            <a:r>
+              <a:rPr lang="da-DK" dirty="0"/>
+              <a:t>Overvej integrerede løsninger der inkorporerer firewall, IDS og IPS. </a:t>
+            </a:r>
+          </a:p>
+          <a:p>
+            <a:r>
+              <a:rPr lang="da-DK" dirty="0" err="1"/>
+              <a:t>Snort</a:t>
+            </a:r>
+            <a:r>
+              <a:rPr lang="da-DK" dirty="0"/>
+              <a:t> er ret anerkendt som open-source værktøj. </a:t>
+            </a:r>
+          </a:p>
+          <a:p>
+            <a:r>
+              <a:rPr lang="da-DK" dirty="0"/>
+              <a:t>Kan fx detektere port </a:t>
+            </a:r>
+            <a:r>
+              <a:rPr lang="da-DK" dirty="0" err="1"/>
+              <a:t>scans</a:t>
+            </a:r>
+            <a:r>
+              <a:rPr lang="da-DK" dirty="0"/>
+              <a:t>, fragmentation. </a:t>
+            </a:r>
+          </a:p>
+          <a:p>
+            <a:r>
+              <a:rPr lang="da-DK" dirty="0">
+                <a:hlinkClick r:id="rId3"/>
+              </a:rPr>
+              <a:t>https://www.youtube.com/watch?v=cQeeko9J_Yw</a:t>
+            </a:r>
+            <a:endParaRPr lang="da-DK" dirty="0"/>
+          </a:p>
+          <a:p>
+            <a:endParaRPr lang="da-DK" dirty="0"/>
+          </a:p>
+          <a:p>
+            <a:endParaRPr lang="da-DK" dirty="0"/>
+          </a:p>
+        </p:txBody>
+      </p:sp>
+      <p:sp>
+        <p:nvSpPr>
+          <p:cNvPr id="5" name="Pladsholder til sidefod 3"/>
+          <p:cNvSpPr>
+            <a:spLocks noGrp="1"/>
+          </p:cNvSpPr>
+          <p:nvPr>
+            <p:ph type="ftr" sz="quarter" idx="11"/>
+          </p:nvPr>
+        </p:nvSpPr>
+        <p:spPr>
+          <a:xfrm>
+            <a:off x="1443491" y="329308"/>
+            <a:ext cx="4034004" cy="309201"/>
+          </a:xfrm>
+        </p:spPr>
+        <p:txBody>
+          <a:bodyPr/>
+          <a:lstStyle/>
+          <a:p>
+            <a:r>
+              <a:rPr lang="da-DK" dirty="0"/>
+              <a:t>Videregående it-sikkerhed – Philip Kaare Løventoft - Smartlearning</a:t>
+            </a:r>
+          </a:p>
+        </p:txBody>
+      </p:sp>
+    </p:spTree>
+    <p:extLst>
+      <p:ext uri="{BB962C8B-B14F-4D97-AF65-F5344CB8AC3E}">
+        <p14:creationId xmlns:p14="http://schemas.microsoft.com/office/powerpoint/2010/main" val="677572998"/>
+      </p:ext>
+    </p:extLst>
+  </p:cSld>
+  <p:clrMapOvr>
+    <a:masterClrMapping/>
+  </p:clrMapOvr>
+</p:sld>
+</file>
+
+<file path=ppt/slides/slide17.xml><?xml version="1.0" encoding="utf-8"?>
+<p:sld xmlns:a="http://schemas.openxmlformats.org/drawingml/2006/main" xmlns:r="http://schemas.openxmlformats.org/officeDocument/2006/relationships" xmlns:p="http://schemas.openxmlformats.org/presentationml/2006/main">
+  <p:cSld>
+    <p:spTree>
+      <p:nvGrpSpPr>
+        <p:cNvPr id="1" name=""/>
+        <p:cNvGrpSpPr/>
+        <p:nvPr/>
+      </p:nvGrpSpPr>
+      <p:grpSpPr>
+        <a:xfrm>
+          <a:off x="0" y="0"/>
+          <a:ext cx="0" cy="0"/>
+          <a:chOff x="0" y="0"/>
+          <a:chExt cx="0" cy="0"/>
+        </a:xfrm>
+      </p:grpSpPr>
+      <p:sp>
+        <p:nvSpPr>
+          <p:cNvPr id="2" name="Titel 1"/>
+          <p:cNvSpPr>
+            <a:spLocks noGrp="1"/>
+          </p:cNvSpPr>
+          <p:nvPr>
+            <p:ph type="title"/>
+          </p:nvPr>
+        </p:nvSpPr>
+        <p:spPr/>
+        <p:txBody>
+          <a:bodyPr/>
+          <a:lstStyle/>
+          <a:p>
+            <a:r>
               <a:rPr lang="da-DK" dirty="0" err="1"/>
               <a:t>Multi-level</a:t>
             </a:r>
@@ -8984,7 +9390,7 @@
 </p:sld>
 </file>
 
-<file path=ppt/slides/slide17.xml><?xml version="1.0" encoding="utf-8"?>
+<file path=ppt/slides/slide18.xml><?xml version="1.0" encoding="utf-8"?>
 <p:sld xmlns:a="http://schemas.openxmlformats.org/drawingml/2006/main" xmlns:r="http://schemas.openxmlformats.org/officeDocument/2006/relationships" xmlns:p="http://schemas.openxmlformats.org/presentationml/2006/main">
   <p:cSld>
     <p:spTree>
@@ -10026,7 +10432,6 @@
               <a:rPr lang="da-DK" dirty="0"/>
               <a:t>Distribueret dos (DDOS)</a:t>
             </a:r>
-            <a:endParaRPr lang="da-DK" dirty="0"/>
           </a:p>
         </p:txBody>
       </p:sp>
@@ -10126,52 +10531,26 @@
           <a:p>
             <a:r>
               <a:rPr lang="da-DK" dirty="0"/>
-              <a:t>Beskyt mod </a:t>
-            </a:r>
-            <a:r>
-              <a:rPr lang="da-DK" dirty="0" err="1"/>
-              <a:t>adressespoofing</a:t>
-            </a:r>
-            <a:r>
-              <a:rPr lang="da-DK" dirty="0"/>
-              <a:t> i det omfang det kan lade sig gøre ved at konfigurere din router rigtigt. Se RFC 2827. Primært relevant for ISP. </a:t>
-            </a:r>
-          </a:p>
-          <a:p>
-            <a:r>
-              <a:rPr lang="da-DK" dirty="0"/>
-              <a:t>Sæt SYN cookies op. Standard i Windows, ikke på Linux/</a:t>
-            </a:r>
-            <a:r>
-              <a:rPr lang="da-DK" dirty="0" err="1"/>
-              <a:t>FreeBSD</a:t>
-            </a:r>
-            <a:r>
-              <a:rPr lang="da-DK" dirty="0"/>
-              <a:t>. </a:t>
-            </a:r>
-          </a:p>
-          <a:p>
-            <a:r>
-              <a:rPr lang="da-DK" dirty="0"/>
-              <a:t>Bloker eksterne broadcasts.</a:t>
-            </a:r>
-          </a:p>
-          <a:p>
-            <a:r>
-              <a:rPr lang="da-DK" dirty="0" err="1"/>
-              <a:t>Mirroring</a:t>
-            </a:r>
-            <a:r>
-              <a:rPr lang="da-DK" dirty="0"/>
-              <a:t>. </a:t>
-            </a:r>
-          </a:p>
-        </p:txBody>
-      </p:sp>
-      <p:sp>
-        <p:nvSpPr>
-          <p:cNvPr id="5" name="Pladsholder til sidefod 3"/>
+              <a:t>Kender I til teknikker sådan at man kan forsvare sig mod DOS?</a:t>
+            </a:r>
+          </a:p>
+          <a:p>
+            <a:r>
+              <a:rPr lang="da-DK" dirty="0"/>
+              <a:t>Hvad gør man hvis uheldet er ude?</a:t>
+            </a:r>
+          </a:p>
+          <a:p>
+            <a:r>
+              <a:rPr lang="da-DK" dirty="0"/>
+              <a:t>Skriv på chat. </a:t>
+            </a:r>
+          </a:p>
+        </p:txBody>
+      </p:sp>
+      <p:sp>
+        <p:nvSpPr>
+          <p:cNvPr id="6" name="Pladsholder til sidefod 3"/>
           <p:cNvSpPr>
             <a:spLocks noGrp="1"/>
           </p:cNvSpPr>
@@ -10199,7 +10578,7 @@
     </p:spTree>
     <p:extLst>
       <p:ext uri="{BB962C8B-B14F-4D97-AF65-F5344CB8AC3E}">
-        <p14:creationId xmlns:p14="http://schemas.microsoft.com/office/powerpoint/2010/main" val="185028832"/>
+        <p14:creationId xmlns:p14="http://schemas.microsoft.com/office/powerpoint/2010/main" val="2938134393"/>
       </p:ext>
     </p:extLst>
   </p:cSld>

--- a/Smartlearning.dk/IT-sikkerhed - webinar 1.pptx
+++ b/Smartlearning.dk/IT-sikkerhed - webinar 1.pptx
@@ -241,7 +241,7 @@
             <a:fld id="{B36E17A6-19E7-431B-B84F-272700CAEAB7}" type="datetimeFigureOut">
               <a:rPr lang="da-DK" smtClean="0"/>
               <a:pPr/>
-              <a:t>08-11-2016</a:t>
+              <a:t>10-11-2016</a:t>
             </a:fld>
             <a:endParaRPr lang="da-DK"/>
           </a:p>
@@ -2036,7 +2036,7 @@
           <a:p>
             <a:fld id="{48A87A34-81AB-432B-8DAE-1953F412C126}" type="datetimeFigureOut">
               <a:rPr lang="en-US" smtClean="0"/>
-              <a:t>11/8/2016</a:t>
+              <a:t>11/10/2016</a:t>
             </a:fld>
             <a:endParaRPr lang="en-US" dirty="0"/>
           </a:p>
@@ -2253,7 +2253,7 @@
           <a:p>
             <a:fld id="{48A87A34-81AB-432B-8DAE-1953F412C126}" type="datetimeFigureOut">
               <a:rPr lang="en-US" smtClean="0"/>
-              <a:t>11/8/2016</a:t>
+              <a:t>11/10/2016</a:t>
             </a:fld>
             <a:endParaRPr lang="en-US" dirty="0"/>
           </a:p>
@@ -2538,7 +2538,7 @@
             <a:fld id="{48A87A34-81AB-432B-8DAE-1953F412C126}" type="datetimeFigureOut">
               <a:rPr lang="en-US" smtClean="0"/>
               <a:pPr/>
-              <a:t>11/8/2016</a:t>
+              <a:t>11/10/2016</a:t>
             </a:fld>
             <a:endParaRPr lang="en-US" dirty="0"/>
           </a:p>
@@ -2811,7 +2811,7 @@
           <a:p>
             <a:fld id="{48A87A34-81AB-432B-8DAE-1953F412C126}" type="datetimeFigureOut">
               <a:rPr lang="en-US" smtClean="0"/>
-              <a:t>11/8/2016</a:t>
+              <a:t>11/10/2016</a:t>
             </a:fld>
             <a:endParaRPr lang="en-US" dirty="0"/>
           </a:p>
@@ -3507,7 +3507,7 @@
           <a:p>
             <a:fld id="{48A87A34-81AB-432B-8DAE-1953F412C126}" type="datetimeFigureOut">
               <a:rPr lang="en-US" smtClean="0"/>
-              <a:t>11/8/2016</a:t>
+              <a:t>11/10/2016</a:t>
             </a:fld>
             <a:endParaRPr lang="en-US" dirty="0"/>
           </a:p>
@@ -6838,14 +6838,14 @@
           </a:ln>
           <a:extLst>
             <a:ext uri="{909E8E84-426E-40dd-AFC4-6F175D3DCCD1}">
-              <a14:hiddenFill xmlns="" xmlns:a14="http://schemas.microsoft.com/office/drawing/2010/main">
+              <a14:hiddenFill xmlns:a14="http://schemas.microsoft.com/office/drawing/2010/main" xmlns="">
                 <a:solidFill>
                   <a:srgbClr val="FFFFFF"/>
                 </a:solidFill>
               </a14:hiddenFill>
             </a:ext>
             <a:ext uri="{91240B29-F687-4f45-9708-019B960494DF}">
-              <a14:hiddenLine xmlns="" xmlns:a14="http://schemas.microsoft.com/office/drawing/2010/main" w="9525">
+              <a14:hiddenLine xmlns:a14="http://schemas.microsoft.com/office/drawing/2010/main" xmlns="" w="9525">
                 <a:solidFill>
                   <a:srgbClr val="000000"/>
                 </a:solidFill>
@@ -7394,7 +7394,7 @@
             <a:fld id="{48A87A34-81AB-432B-8DAE-1953F412C126}" type="datetimeFigureOut">
               <a:rPr lang="en-US" dirty="0"/>
               <a:pPr/>
-              <a:t>11/8/2016</a:t>
+              <a:t>11/10/2016</a:t>
             </a:fld>
             <a:endParaRPr lang="en-US" dirty="0"/>
           </a:p>
@@ -7516,14 +7516,14 @@
           </a:ln>
           <a:extLst>
             <a:ext uri="{909E8E84-426E-40dd-AFC4-6F175D3DCCD1}">
-              <a14:hiddenFill xmlns="" xmlns:a14="http://schemas.microsoft.com/office/drawing/2010/main">
+              <a14:hiddenFill xmlns:a14="http://schemas.microsoft.com/office/drawing/2010/main" xmlns="">
                 <a:solidFill>
                   <a:srgbClr val="FFFFFF"/>
                 </a:solidFill>
               </a14:hiddenFill>
             </a:ext>
             <a:ext uri="{91240B29-F687-4f45-9708-019B960494DF}">
-              <a14:hiddenLine xmlns="" xmlns:a14="http://schemas.microsoft.com/office/drawing/2010/main" w="9525">
+              <a14:hiddenLine xmlns:a14="http://schemas.microsoft.com/office/drawing/2010/main" xmlns="" w="9525">
                 <a:solidFill>
                   <a:srgbClr val="000000"/>
                 </a:solidFill>
@@ -9809,6 +9809,36 @@
           </a:p>
         </p:txBody>
       </p:sp>
+      <p:pic>
+        <p:nvPicPr>
+          <p:cNvPr id="5" name="Billede 4"/>
+          <p:cNvPicPr>
+            <a:picLocks noChangeAspect="1"/>
+          </p:cNvPicPr>
+          <p:nvPr/>
+        </p:nvPicPr>
+        <p:blipFill>
+          <a:blip r:embed="rId3">
+            <a:extLst>
+              <a:ext uri="{28A0092B-C50C-407E-A947-70E740481C1C}">
+                <a14:useLocalDpi xmlns:a14="http://schemas.microsoft.com/office/drawing/2010/main" val="0"/>
+              </a:ext>
+            </a:extLst>
+          </a:blip>
+          <a:stretch>
+            <a:fillRect/>
+          </a:stretch>
+        </p:blipFill>
+        <p:spPr>
+          <a:xfrm>
+            <a:off x="6334310" y="638509"/>
+            <a:ext cx="1680524" cy="1680524"/>
+          </a:xfrm>
+          <a:prstGeom prst="rect">
+            <a:avLst/>
+          </a:prstGeom>
+        </p:spPr>
+      </p:pic>
     </p:spTree>
     <p:extLst>
       <p:ext uri="{BB962C8B-B14F-4D97-AF65-F5344CB8AC3E}">
